--- a/Python Session/Python_03_june.pptx
+++ b/Python Session/Python_03_june.pptx
@@ -837,7 +837,7 @@
           <a:p>
             <a:fld id="{88B2DAE2-9D63-4BC5-A0F1-8CB05C6D859F}" type="datetimeFigureOut">
               <a:rPr lang="en-IN" smtClean="0"/>
-              <a:t>02-06-2022</a:t>
+              <a:t>03-06-2022</a:t>
             </a:fld>
             <a:endParaRPr lang="en-IN"/>
           </a:p>
@@ -1088,7 +1088,7 @@
           <a:p>
             <a:fld id="{88B2DAE2-9D63-4BC5-A0F1-8CB05C6D859F}" type="datetimeFigureOut">
               <a:rPr lang="en-IN" smtClean="0"/>
-              <a:t>02-06-2022</a:t>
+              <a:t>03-06-2022</a:t>
             </a:fld>
             <a:endParaRPr lang="en-IN"/>
           </a:p>
@@ -1402,7 +1402,7 @@
           <a:p>
             <a:fld id="{88B2DAE2-9D63-4BC5-A0F1-8CB05C6D859F}" type="datetimeFigureOut">
               <a:rPr lang="en-IN" smtClean="0"/>
-              <a:t>02-06-2022</a:t>
+              <a:t>03-06-2022</a:t>
             </a:fld>
             <a:endParaRPr lang="en-IN"/>
           </a:p>
@@ -1743,7 +1743,7 @@
           <a:p>
             <a:fld id="{88B2DAE2-9D63-4BC5-A0F1-8CB05C6D859F}" type="datetimeFigureOut">
               <a:rPr lang="en-IN" smtClean="0"/>
-              <a:t>02-06-2022</a:t>
+              <a:t>03-06-2022</a:t>
             </a:fld>
             <a:endParaRPr lang="en-IN"/>
           </a:p>
@@ -2057,7 +2057,7 @@
           <a:p>
             <a:fld id="{88B2DAE2-9D63-4BC5-A0F1-8CB05C6D859F}" type="datetimeFigureOut">
               <a:rPr lang="en-IN" smtClean="0"/>
-              <a:t>02-06-2022</a:t>
+              <a:t>03-06-2022</a:t>
             </a:fld>
             <a:endParaRPr lang="en-IN"/>
           </a:p>
@@ -2450,7 +2450,7 @@
           <a:p>
             <a:fld id="{88B2DAE2-9D63-4BC5-A0F1-8CB05C6D859F}" type="datetimeFigureOut">
               <a:rPr lang="en-IN" smtClean="0"/>
-              <a:t>02-06-2022</a:t>
+              <a:t>03-06-2022</a:t>
             </a:fld>
             <a:endParaRPr lang="en-IN"/>
           </a:p>
@@ -2620,7 +2620,7 @@
           <a:p>
             <a:fld id="{88B2DAE2-9D63-4BC5-A0F1-8CB05C6D859F}" type="datetimeFigureOut">
               <a:rPr lang="en-IN" smtClean="0"/>
-              <a:t>02-06-2022</a:t>
+              <a:t>03-06-2022</a:t>
             </a:fld>
             <a:endParaRPr lang="en-IN"/>
           </a:p>
@@ -2800,7 +2800,7 @@
           <a:p>
             <a:fld id="{88B2DAE2-9D63-4BC5-A0F1-8CB05C6D859F}" type="datetimeFigureOut">
               <a:rPr lang="en-IN" smtClean="0"/>
-              <a:t>02-06-2022</a:t>
+              <a:t>03-06-2022</a:t>
             </a:fld>
             <a:endParaRPr lang="en-IN"/>
           </a:p>
@@ -2976,7 +2976,7 @@
           <a:p>
             <a:fld id="{88B2DAE2-9D63-4BC5-A0F1-8CB05C6D859F}" type="datetimeFigureOut">
               <a:rPr lang="en-IN" smtClean="0"/>
-              <a:t>02-06-2022</a:t>
+              <a:t>03-06-2022</a:t>
             </a:fld>
             <a:endParaRPr lang="en-IN"/>
           </a:p>
@@ -3223,7 +3223,7 @@
           <a:p>
             <a:fld id="{88B2DAE2-9D63-4BC5-A0F1-8CB05C6D859F}" type="datetimeFigureOut">
               <a:rPr lang="en-IN" smtClean="0"/>
-              <a:t>02-06-2022</a:t>
+              <a:t>03-06-2022</a:t>
             </a:fld>
             <a:endParaRPr lang="en-IN"/>
           </a:p>
@@ -3455,7 +3455,7 @@
           <a:p>
             <a:fld id="{88B2DAE2-9D63-4BC5-A0F1-8CB05C6D859F}" type="datetimeFigureOut">
               <a:rPr lang="en-IN" smtClean="0"/>
-              <a:t>02-06-2022</a:t>
+              <a:t>03-06-2022</a:t>
             </a:fld>
             <a:endParaRPr lang="en-IN"/>
           </a:p>
@@ -3829,7 +3829,7 @@
           <a:p>
             <a:fld id="{88B2DAE2-9D63-4BC5-A0F1-8CB05C6D859F}" type="datetimeFigureOut">
               <a:rPr lang="en-IN" smtClean="0"/>
-              <a:t>02-06-2022</a:t>
+              <a:t>03-06-2022</a:t>
             </a:fld>
             <a:endParaRPr lang="en-IN"/>
           </a:p>
@@ -3952,7 +3952,7 @@
           <a:p>
             <a:fld id="{88B2DAE2-9D63-4BC5-A0F1-8CB05C6D859F}" type="datetimeFigureOut">
               <a:rPr lang="en-IN" smtClean="0"/>
-              <a:t>02-06-2022</a:t>
+              <a:t>03-06-2022</a:t>
             </a:fld>
             <a:endParaRPr lang="en-IN"/>
           </a:p>
@@ -4047,7 +4047,7 @@
           <a:p>
             <a:fld id="{88B2DAE2-9D63-4BC5-A0F1-8CB05C6D859F}" type="datetimeFigureOut">
               <a:rPr lang="en-IN" smtClean="0"/>
-              <a:t>02-06-2022</a:t>
+              <a:t>03-06-2022</a:t>
             </a:fld>
             <a:endParaRPr lang="en-IN"/>
           </a:p>
@@ -4302,7 +4302,7 @@
           <a:p>
             <a:fld id="{88B2DAE2-9D63-4BC5-A0F1-8CB05C6D859F}" type="datetimeFigureOut">
               <a:rPr lang="en-IN" smtClean="0"/>
-              <a:t>02-06-2022</a:t>
+              <a:t>03-06-2022</a:t>
             </a:fld>
             <a:endParaRPr lang="en-IN"/>
           </a:p>
@@ -4565,7 +4565,7 @@
           <a:p>
             <a:fld id="{88B2DAE2-9D63-4BC5-A0F1-8CB05C6D859F}" type="datetimeFigureOut">
               <a:rPr lang="en-IN" smtClean="0"/>
-              <a:t>02-06-2022</a:t>
+              <a:t>03-06-2022</a:t>
             </a:fld>
             <a:endParaRPr lang="en-IN"/>
           </a:p>
@@ -5308,7 +5308,7 @@
           <a:p>
             <a:fld id="{88B2DAE2-9D63-4BC5-A0F1-8CB05C6D859F}" type="datetimeFigureOut">
               <a:rPr lang="en-IN" smtClean="0"/>
-              <a:t>02-06-2022</a:t>
+              <a:t>03-06-2022</a:t>
             </a:fld>
             <a:endParaRPr lang="en-IN"/>
           </a:p>
@@ -5938,22 +5938,14 @@
             <a:pPr algn="l"/>
             <a:r>
               <a:rPr lang="en-US" sz="1600" b="1" dirty="0" smtClean="0"/>
-              <a:t>Advantages</a:t>
-            </a:r>
-            <a:r>
-              <a:rPr lang="en-US" sz="1600" b="1" dirty="0" smtClean="0"/>
-              <a:t>:</a:t>
+              <a:t>Advantages:</a:t>
             </a:r>
           </a:p>
           <a:p>
             <a:pPr algn="l"/>
             <a:r>
               <a:rPr lang="en-US" sz="1600" dirty="0" smtClean="0"/>
-              <a:t>Efficient </a:t>
-            </a:r>
-            <a:r>
-              <a:rPr lang="en-US" sz="1600" dirty="0" smtClean="0"/>
-              <a:t>and fast</a:t>
+              <a:t>Efficient and fast</a:t>
             </a:r>
           </a:p>
           <a:p>
@@ -5974,11 +5966,7 @@
             <a:pPr algn="l"/>
             <a:r>
               <a:rPr lang="en-US" sz="1600" dirty="0" smtClean="0"/>
-              <a:t>Homogeneous </a:t>
-            </a:r>
-            <a:r>
-              <a:rPr lang="en-US" sz="1600" dirty="0" smtClean="0"/>
-              <a:t>type</a:t>
+              <a:t>Homogeneous type</a:t>
             </a:r>
             <a:endParaRPr lang="en-US" sz="1600" dirty="0"/>
           </a:p>
@@ -5997,15 +5985,7 @@
             <a:pPr algn="l"/>
             <a:r>
               <a:rPr lang="en-US" sz="1600" dirty="0" smtClean="0"/>
-              <a:t>Image </a:t>
-            </a:r>
-            <a:r>
-              <a:rPr lang="en-US" sz="1600" dirty="0" smtClean="0"/>
-              <a:t>processing </a:t>
-            </a:r>
-            <a:r>
-              <a:rPr lang="en-US" sz="1600" dirty="0" smtClean="0"/>
-              <a:t>.</a:t>
+              <a:t>Image processing .</a:t>
             </a:r>
           </a:p>
           <a:p>
@@ -6026,13 +6006,8 @@
             <a:pPr algn="l"/>
             <a:r>
               <a:rPr lang="en-US" sz="1600" dirty="0" smtClean="0"/>
-              <a:t>And </a:t>
-            </a:r>
-            <a:r>
-              <a:rPr lang="en-US" sz="1600" dirty="0" smtClean="0"/>
-              <a:t>many more</a:t>
-            </a:r>
-            <a:endParaRPr lang="en-US" sz="1600" dirty="0" smtClean="0"/>
+              <a:t>And many more</a:t>
+            </a:r>
           </a:p>
           <a:p>
             <a:pPr algn="l"/>
@@ -6050,13 +6025,13 @@
   <p:clrMapOvr>
     <a:masterClrMapping/>
   </p:clrMapOvr>
-  <mc:AlternateContent xmlns:mc="http://schemas.openxmlformats.org/markup-compatibility/2006">
-    <mc:Choice xmlns:p15="http://schemas.microsoft.com/office/powerpoint/2012/main" Requires="p15">
+  <mc:AlternateContent xmlns:mc="http://schemas.openxmlformats.org/markup-compatibility/2006" xmlns:p15="http://schemas.microsoft.com/office/powerpoint/2012/main">
+    <mc:Choice Requires="p15">
       <p:transition xmlns:p14="http://schemas.microsoft.com/office/powerpoint/2010/main" spd="slow" p14:dur="2000">
         <p15:prstTrans prst="fallOver"/>
       </p:transition>
     </mc:Choice>
-    <mc:Fallback>
+    <mc:Fallback xmlns="">
       <p:transition spd="slow">
         <p:fade/>
       </p:transition>
@@ -7145,48 +7120,6 @@
           </a:effectLst>
         </p:spPr>
       </p:pic>
-      <p:pic>
-        <p:nvPicPr>
-          <p:cNvPr id="9" name="Picture 8"/>
-          <p:cNvPicPr>
-            <a:picLocks noChangeAspect="1"/>
-          </p:cNvPicPr>
-          <p:nvPr/>
-        </p:nvPicPr>
-        <p:blipFill>
-          <a:blip r:embed="rId4">
-            <a:extLst>
-              <a:ext uri="{28A0092B-C50C-407E-A947-70E740481C1C}">
-                <a14:useLocalDpi xmlns:a14="http://schemas.microsoft.com/office/drawing/2010/main" val="0"/>
-              </a:ext>
-            </a:extLst>
-          </a:blip>
-          <a:stretch>
-            <a:fillRect/>
-          </a:stretch>
-        </p:blipFill>
-        <p:spPr>
-          <a:xfrm>
-            <a:off x="1309132" y="3491266"/>
-            <a:ext cx="8237606" cy="3037721"/>
-          </a:xfrm>
-          <a:prstGeom prst="rect">
-            <a:avLst/>
-          </a:prstGeom>
-          <a:ln w="88900" cap="sq" cmpd="thickThin">
-            <a:solidFill>
-              <a:srgbClr val="000000"/>
-            </a:solidFill>
-            <a:prstDash val="solid"/>
-            <a:miter lim="800000"/>
-          </a:ln>
-          <a:effectLst>
-            <a:innerShdw blurRad="76200">
-              <a:srgbClr val="000000"/>
-            </a:innerShdw>
-          </a:effectLst>
-        </p:spPr>
-      </p:pic>
     </p:spTree>
     <p:extLst>
       <p:ext uri="{BB962C8B-B14F-4D97-AF65-F5344CB8AC3E}">
@@ -7299,59 +7232,6 @@
                                         <p:cTn id="12" dur="2000"/>
                                         <p:tgtEl>
                                           <p:spTgt spid="8"/>
-                                        </p:tgtEl>
-                                      </p:cBhvr>
-                                    </p:animEffect>
-                                  </p:childTnLst>
-                                </p:cTn>
-                              </p:par>
-                            </p:childTnLst>
-                          </p:cTn>
-                        </p:par>
-                      </p:childTnLst>
-                    </p:cTn>
-                  </p:par>
-                  <p:par>
-                    <p:cTn id="13" fill="hold">
-                      <p:stCondLst>
-                        <p:cond delay="indefinite"/>
-                      </p:stCondLst>
-                      <p:childTnLst>
-                        <p:par>
-                          <p:cTn id="14" fill="hold">
-                            <p:stCondLst>
-                              <p:cond delay="0"/>
-                            </p:stCondLst>
-                            <p:childTnLst>
-                              <p:par>
-                                <p:cTn id="15" presetID="21" presetClass="entr" presetSubtype="1" fill="hold" nodeType="clickEffect">
-                                  <p:stCondLst>
-                                    <p:cond delay="0"/>
-                                  </p:stCondLst>
-                                  <p:childTnLst>
-                                    <p:set>
-                                      <p:cBhvr>
-                                        <p:cTn id="16" dur="1" fill="hold">
-                                          <p:stCondLst>
-                                            <p:cond delay="0"/>
-                                          </p:stCondLst>
-                                        </p:cTn>
-                                        <p:tgtEl>
-                                          <p:spTgt spid="9"/>
-                                        </p:tgtEl>
-                                        <p:attrNameLst>
-                                          <p:attrName>style.visibility</p:attrName>
-                                        </p:attrNameLst>
-                                      </p:cBhvr>
-                                      <p:to>
-                                        <p:strVal val="visible"/>
-                                      </p:to>
-                                    </p:set>
-                                    <p:animEffect transition="in" filter="wheel(1)">
-                                      <p:cBhvr>
-                                        <p:cTn id="17" dur="2000"/>
-                                        <p:tgtEl>
-                                          <p:spTgt spid="9"/>
                                         </p:tgtEl>
                                       </p:cBhvr>
                                     </p:animEffect>
